--- a/docs/diagrams/UiComponentClassDiagram.pptx
+++ b/docs/diagrams/UiComponentClassDiagram.pptx
@@ -208,7 +208,7 @@
           <a:p>
             <a:fld id="{F5CC4B3F-88C1-4FFA-B1B6-F41C21DC6924}" type="datetimeFigureOut">
               <a:rPr lang="en-US" smtClean="0"/>
-              <a:t>12/15/2018</a:t>
+              <a:t>3/5/19</a:t>
             </a:fld>
             <a:endParaRPr lang="en-US"/>
           </a:p>
@@ -654,7 +654,7 @@
           <a:p>
             <a:fld id="{78C97017-6FC3-485B-9764-EAC9E56C1D49}" type="datetimeFigureOut">
               <a:rPr lang="en-US" smtClean="0"/>
-              <a:t>12/15/2018</a:t>
+              <a:t>3/5/19</a:t>
             </a:fld>
             <a:endParaRPr lang="en-US"/>
           </a:p>
@@ -822,7 +822,7 @@
           <a:p>
             <a:fld id="{78C97017-6FC3-485B-9764-EAC9E56C1D49}" type="datetimeFigureOut">
               <a:rPr lang="en-US" smtClean="0"/>
-              <a:t>12/15/2018</a:t>
+              <a:t>3/5/19</a:t>
             </a:fld>
             <a:endParaRPr lang="en-US"/>
           </a:p>
@@ -1000,7 +1000,7 @@
           <a:p>
             <a:fld id="{78C97017-6FC3-485B-9764-EAC9E56C1D49}" type="datetimeFigureOut">
               <a:rPr lang="en-US" smtClean="0"/>
-              <a:t>12/15/2018</a:t>
+              <a:t>3/5/19</a:t>
             </a:fld>
             <a:endParaRPr lang="en-US"/>
           </a:p>
@@ -1168,7 +1168,7 @@
           <a:p>
             <a:fld id="{78C97017-6FC3-485B-9764-EAC9E56C1D49}" type="datetimeFigureOut">
               <a:rPr lang="en-US" smtClean="0"/>
-              <a:t>12/15/2018</a:t>
+              <a:t>3/5/19</a:t>
             </a:fld>
             <a:endParaRPr lang="en-US"/>
           </a:p>
@@ -1413,7 +1413,7 @@
           <a:p>
             <a:fld id="{78C97017-6FC3-485B-9764-EAC9E56C1D49}" type="datetimeFigureOut">
               <a:rPr lang="en-US" smtClean="0"/>
-              <a:t>12/15/2018</a:t>
+              <a:t>3/5/19</a:t>
             </a:fld>
             <a:endParaRPr lang="en-US"/>
           </a:p>
@@ -1698,7 +1698,7 @@
           <a:p>
             <a:fld id="{78C97017-6FC3-485B-9764-EAC9E56C1D49}" type="datetimeFigureOut">
               <a:rPr lang="en-US" smtClean="0"/>
-              <a:t>12/15/2018</a:t>
+              <a:t>3/5/19</a:t>
             </a:fld>
             <a:endParaRPr lang="en-US"/>
           </a:p>
@@ -2117,7 +2117,7 @@
           <a:p>
             <a:fld id="{78C97017-6FC3-485B-9764-EAC9E56C1D49}" type="datetimeFigureOut">
               <a:rPr lang="en-US" smtClean="0"/>
-              <a:t>12/15/2018</a:t>
+              <a:t>3/5/19</a:t>
             </a:fld>
             <a:endParaRPr lang="en-US"/>
           </a:p>
@@ -2234,7 +2234,7 @@
           <a:p>
             <a:fld id="{78C97017-6FC3-485B-9764-EAC9E56C1D49}" type="datetimeFigureOut">
               <a:rPr lang="en-US" smtClean="0"/>
-              <a:t>12/15/2018</a:t>
+              <a:t>3/5/19</a:t>
             </a:fld>
             <a:endParaRPr lang="en-US"/>
           </a:p>
@@ -2329,7 +2329,7 @@
           <a:p>
             <a:fld id="{78C97017-6FC3-485B-9764-EAC9E56C1D49}" type="datetimeFigureOut">
               <a:rPr lang="en-US" smtClean="0"/>
-              <a:t>12/15/2018</a:t>
+              <a:t>3/5/19</a:t>
             </a:fld>
             <a:endParaRPr lang="en-US"/>
           </a:p>
@@ -2604,7 +2604,7 @@
           <a:p>
             <a:fld id="{78C97017-6FC3-485B-9764-EAC9E56C1D49}" type="datetimeFigureOut">
               <a:rPr lang="en-US" smtClean="0"/>
-              <a:t>12/15/2018</a:t>
+              <a:t>3/5/19</a:t>
             </a:fld>
             <a:endParaRPr lang="en-US"/>
           </a:p>
@@ -2856,7 +2856,7 @@
           <a:p>
             <a:fld id="{78C97017-6FC3-485B-9764-EAC9E56C1D49}" type="datetimeFigureOut">
               <a:rPr lang="en-US" smtClean="0"/>
-              <a:t>12/15/2018</a:t>
+              <a:t>3/5/19</a:t>
             </a:fld>
             <a:endParaRPr lang="en-US"/>
           </a:p>
@@ -3067,7 +3067,7 @@
           <a:p>
             <a:fld id="{78C97017-6FC3-485B-9764-EAC9E56C1D49}" type="datetimeFigureOut">
               <a:rPr lang="en-US" smtClean="0"/>
-              <a:t>12/15/2018</a:t>
+              <a:t>3/5/19</a:t>
             </a:fld>
             <a:endParaRPr lang="en-US"/>
           </a:p>
@@ -3450,8 +3450,8 @@
         </p:nvSpPr>
         <p:spPr>
           <a:xfrm>
-            <a:off x="1217465" y="1447800"/>
-            <a:ext cx="4917083" cy="3962400"/>
+            <a:off x="1219200" y="825501"/>
+            <a:ext cx="4917083" cy="5206998"/>
           </a:xfrm>
           <a:prstGeom prst="roundRect">
             <a:avLst>
@@ -3512,7 +3512,7 @@
         </p:nvSpPr>
         <p:spPr>
           <a:xfrm>
-            <a:off x="2095948" y="2341220"/>
+            <a:off x="2097683" y="1668119"/>
             <a:ext cx="1093635" cy="346760"/>
           </a:xfrm>
           <a:prstGeom prst="rect">
@@ -3572,7 +3572,7 @@
         </p:nvSpPr>
         <p:spPr>
           <a:xfrm>
-            <a:off x="2592528" y="2971800"/>
+            <a:off x="2594263" y="2298699"/>
             <a:ext cx="1093635" cy="236841"/>
           </a:xfrm>
           <a:prstGeom prst="rect">
@@ -3632,7 +3632,7 @@
         </p:nvSpPr>
         <p:spPr>
           <a:xfrm>
-            <a:off x="2092842" y="1770924"/>
+            <a:off x="2094577" y="1097823"/>
             <a:ext cx="1093635" cy="346760"/>
           </a:xfrm>
           <a:prstGeom prst="rect">
@@ -3694,7 +3694,7 @@
         </p:nvCxnSpPr>
         <p:spPr>
           <a:xfrm rot="16200000" flipH="1">
-            <a:off x="2529445" y="2227899"/>
+            <a:off x="2531180" y="1554798"/>
             <a:ext cx="223536" cy="3106"/>
           </a:xfrm>
           <a:prstGeom prst="bentConnector3">
@@ -3734,7 +3734,7 @@
         </p:nvSpPr>
         <p:spPr>
           <a:xfrm rot="10800000" flipV="1">
-            <a:off x="5394717" y="2110477"/>
+            <a:off x="5396452" y="1437376"/>
             <a:ext cx="270504" cy="175523"/>
           </a:xfrm>
           <a:prstGeom prst="triangle">
@@ -3782,7 +3782,7 @@
         </p:nvCxnSpPr>
         <p:spPr>
           <a:xfrm flipV="1">
-            <a:off x="644735" y="2991937"/>
+            <a:off x="646470" y="2318836"/>
             <a:ext cx="684904" cy="1"/>
           </a:xfrm>
           <a:prstGeom prst="bentConnector3">
@@ -3825,7 +3825,7 @@
         </p:nvSpPr>
         <p:spPr>
           <a:xfrm rot="16200000">
-            <a:off x="5703829" y="2464877"/>
+            <a:off x="5705564" y="1791776"/>
             <a:ext cx="2362201" cy="328045"/>
           </a:xfrm>
           <a:prstGeom prst="roundRect">
@@ -3885,7 +3885,7 @@
         </p:nvSpPr>
         <p:spPr>
           <a:xfrm>
-            <a:off x="2592528" y="3649359"/>
+            <a:off x="2594263" y="2976258"/>
             <a:ext cx="1093635" cy="236841"/>
           </a:xfrm>
           <a:prstGeom prst="rect">
@@ -3945,7 +3945,7 @@
         </p:nvSpPr>
         <p:spPr>
           <a:xfrm>
-            <a:off x="2592527" y="4563759"/>
+            <a:off x="2593897" y="5319119"/>
             <a:ext cx="1093635" cy="236841"/>
           </a:xfrm>
           <a:prstGeom prst="rect">
@@ -4005,8 +4005,8 @@
         </p:nvSpPr>
         <p:spPr>
           <a:xfrm>
-            <a:off x="2592526" y="3991960"/>
-            <a:ext cx="1093635" cy="236841"/>
+            <a:off x="2594261" y="3318859"/>
+            <a:ext cx="1192509" cy="236841"/>
           </a:xfrm>
           <a:prstGeom prst="rect">
             <a:avLst/>
@@ -4045,7 +4045,7 @@
                   </a:schemeClr>
                 </a:solidFill>
               </a:rPr>
-              <a:t>PersonListPanel</a:t>
+              <a:t>ExpenseListPanel</a:t>
             </a:r>
             <a:endParaRPr lang="en-SG" sz="1050" b="1" dirty="0">
               <a:solidFill>
@@ -4065,7 +4065,7 @@
         </p:nvSpPr>
         <p:spPr>
           <a:xfrm>
-            <a:off x="3839323" y="4228801"/>
+            <a:off x="3841058" y="3555700"/>
             <a:ext cx="1040906" cy="236841"/>
           </a:xfrm>
           <a:prstGeom prst="rect">
@@ -4105,7 +4105,7 @@
                   </a:schemeClr>
                 </a:solidFill>
               </a:rPr>
-              <a:t>PersonCard</a:t>
+              <a:t>ExpenseCard</a:t>
             </a:r>
             <a:endParaRPr lang="en-SG" sz="1050" b="1" dirty="0">
               <a:solidFill>
@@ -4125,7 +4125,7 @@
         </p:nvSpPr>
         <p:spPr>
           <a:xfrm>
-            <a:off x="2592528" y="4966000"/>
+            <a:off x="2598312" y="5698562"/>
             <a:ext cx="1093635" cy="236841"/>
           </a:xfrm>
           <a:prstGeom prst="rect">
@@ -4185,7 +4185,7 @@
         </p:nvSpPr>
         <p:spPr>
           <a:xfrm>
-            <a:off x="2324548" y="2706452"/>
+            <a:off x="2326283" y="2033351"/>
             <a:ext cx="183156" cy="161573"/>
           </a:xfrm>
           <a:prstGeom prst="flowChartDecision">
@@ -4236,7 +4236,7 @@
         </p:nvCxnSpPr>
         <p:spPr>
           <a:xfrm rot="16200000" flipH="1">
-            <a:off x="2393229" y="2890922"/>
+            <a:off x="2394964" y="2217821"/>
             <a:ext cx="222196" cy="176402"/>
           </a:xfrm>
           <a:prstGeom prst="bentConnector2">
@@ -4274,7 +4274,7 @@
         </p:nvSpPr>
         <p:spPr>
           <a:xfrm>
-            <a:off x="2590799" y="3304308"/>
+            <a:off x="2592534" y="2631207"/>
             <a:ext cx="1095361" cy="236841"/>
           </a:xfrm>
           <a:prstGeom prst="rect">
@@ -4337,7 +4337,7 @@
         </p:nvCxnSpPr>
         <p:spPr>
           <a:xfrm rot="16200000" flipH="1">
-            <a:off x="2054450" y="3229701"/>
+            <a:off x="2056185" y="2556600"/>
             <a:ext cx="899755" cy="176402"/>
           </a:xfrm>
           <a:prstGeom prst="bentConnector2">
@@ -4371,6 +4371,7 @@
         <p:nvCxnSpPr>
           <p:cNvPr id="47" name="Elbow Connector 63"/>
           <p:cNvCxnSpPr>
+            <a:cxnSpLocks/>
             <a:stCxn id="39" idx="2"/>
             <a:endCxn id="36" idx="1"/>
           </p:cNvCxnSpPr>
@@ -4378,7 +4379,7 @@
         </p:nvCxnSpPr>
         <p:spPr>
           <a:xfrm rot="16200000" flipH="1">
-            <a:off x="1883148" y="3401003"/>
+            <a:off x="1884883" y="2727902"/>
             <a:ext cx="1242356" cy="176400"/>
           </a:xfrm>
           <a:prstGeom prst="bentConnector2">
@@ -4419,8 +4420,8 @@
         </p:nvCxnSpPr>
         <p:spPr>
           <a:xfrm rot="16200000" flipH="1">
-            <a:off x="1597249" y="3686901"/>
-            <a:ext cx="1814155" cy="176401"/>
+            <a:off x="884571" y="3728214"/>
+            <a:ext cx="3242616" cy="176036"/>
           </a:xfrm>
           <a:prstGeom prst="bentConnector2">
             <a:avLst/>
@@ -4453,14 +4454,15 @@
         <p:nvCxnSpPr>
           <p:cNvPr id="53" name="Elbow Connector 63"/>
           <p:cNvCxnSpPr>
+            <a:cxnSpLocks/>
             <a:endCxn id="38" idx="1"/>
           </p:cNvCxnSpPr>
           <p:nvPr/>
         </p:nvCxnSpPr>
         <p:spPr>
           <a:xfrm rot="16200000" flipH="1">
-            <a:off x="1184119" y="3676012"/>
-            <a:ext cx="2396440" cy="420377"/>
+            <a:off x="494298" y="3712969"/>
+            <a:ext cx="3806898" cy="401130"/>
           </a:xfrm>
           <a:prstGeom prst="bentConnector2">
             <a:avLst/>
@@ -4497,7 +4499,7 @@
         </p:nvSpPr>
         <p:spPr>
           <a:xfrm>
-            <a:off x="5143948" y="1770924"/>
+            <a:off x="5145683" y="1097823"/>
             <a:ext cx="772043" cy="346760"/>
           </a:xfrm>
           <a:prstGeom prst="rect">
@@ -4579,7 +4581,7 @@
         </p:nvCxnSpPr>
         <p:spPr>
           <a:xfrm flipV="1">
-            <a:off x="3686160" y="2286000"/>
+            <a:off x="3687895" y="1612899"/>
             <a:ext cx="1843809" cy="1136729"/>
           </a:xfrm>
           <a:prstGeom prst="bentConnector2">
@@ -4620,7 +4622,7 @@
         </p:nvCxnSpPr>
         <p:spPr>
           <a:xfrm rot="5400000">
-            <a:off x="4174488" y="2991741"/>
+            <a:off x="4176223" y="2318640"/>
             <a:ext cx="2061222" cy="649740"/>
           </a:xfrm>
           <a:prstGeom prst="bentConnector2">
@@ -4661,7 +4663,7 @@
         </p:nvCxnSpPr>
         <p:spPr>
           <a:xfrm rot="5400000">
-            <a:off x="3867176" y="2104987"/>
+            <a:off x="3868911" y="1431886"/>
             <a:ext cx="1481780" cy="1843806"/>
           </a:xfrm>
           <a:prstGeom prst="bentConnector2">
@@ -4702,7 +4704,7 @@
         </p:nvCxnSpPr>
         <p:spPr>
           <a:xfrm flipV="1">
-            <a:off x="3189583" y="2286000"/>
+            <a:off x="3191318" y="1612899"/>
             <a:ext cx="2340386" cy="228600"/>
           </a:xfrm>
           <a:prstGeom prst="bentConnector2">
@@ -4743,8 +4745,8 @@
         </p:nvCxnSpPr>
         <p:spPr>
           <a:xfrm rot="5400000">
-            <a:off x="3409976" y="2562187"/>
-            <a:ext cx="2396180" cy="1843807"/>
+            <a:off x="2697298" y="2603133"/>
+            <a:ext cx="3824641" cy="1844172"/>
           </a:xfrm>
           <a:prstGeom prst="bentConnector2">
             <a:avLst/>
@@ -4784,8 +4786,8 @@
         </p:nvCxnSpPr>
         <p:spPr>
           <a:xfrm rot="5400000">
-            <a:off x="3208856" y="2763307"/>
-            <a:ext cx="2798421" cy="1843806"/>
+            <a:off x="2509784" y="2795063"/>
+            <a:ext cx="4204084" cy="1839757"/>
           </a:xfrm>
           <a:prstGeom prst="bentConnector2">
             <a:avLst/>
@@ -4824,7 +4826,7 @@
         </p:nvCxnSpPr>
         <p:spPr>
           <a:xfrm rot="5400000" flipH="1" flipV="1">
-            <a:off x="4594921" y="-355061"/>
+            <a:off x="4596656" y="-1028162"/>
             <a:ext cx="170724" cy="4081246"/>
           </a:xfrm>
           <a:prstGeom prst="bentConnector2">
@@ -4863,8 +4865,8 @@
         </p:nvSpPr>
         <p:spPr>
           <a:xfrm rot="16200000">
-            <a:off x="6213739" y="4560376"/>
-            <a:ext cx="1371599" cy="328045"/>
+            <a:off x="5806043" y="4512609"/>
+            <a:ext cx="2190462" cy="328045"/>
           </a:xfrm>
           <a:prstGeom prst="roundRect">
             <a:avLst/>
@@ -4923,7 +4925,7 @@
         </p:nvSpPr>
         <p:spPr>
           <a:xfrm rot="16200000">
-            <a:off x="956202" y="2861202"/>
+            <a:off x="957937" y="2188101"/>
             <a:ext cx="1093635" cy="346760"/>
           </a:xfrm>
           <a:prstGeom prst="rect">
@@ -4993,7 +4995,7 @@
         </p:nvSpPr>
         <p:spPr>
           <a:xfrm flipV="1">
-            <a:off x="1367767" y="2286001"/>
+            <a:off x="1369502" y="1612900"/>
             <a:ext cx="270504" cy="175523"/>
           </a:xfrm>
           <a:prstGeom prst="triangle">
@@ -5044,7 +5046,7 @@
         </p:nvCxnSpPr>
         <p:spPr>
           <a:xfrm rot="10800000" flipV="1">
-            <a:off x="1503020" y="1944303"/>
+            <a:off x="1504755" y="1271202"/>
             <a:ext cx="589823" cy="341697"/>
           </a:xfrm>
           <a:prstGeom prst="bentConnector2">
@@ -5086,7 +5088,7 @@
         </p:nvCxnSpPr>
         <p:spPr>
           <a:xfrm rot="16200000" flipH="1">
-            <a:off x="2226110" y="3058040"/>
+            <a:off x="2227845" y="2384939"/>
             <a:ext cx="554704" cy="174673"/>
           </a:xfrm>
           <a:prstGeom prst="bentConnector2">
@@ -5127,7 +5129,7 @@
         </p:nvCxnSpPr>
         <p:spPr>
           <a:xfrm rot="5400000">
-            <a:off x="4205956" y="1766207"/>
+            <a:off x="4207691" y="1093106"/>
             <a:ext cx="804221" cy="1843806"/>
           </a:xfrm>
           <a:prstGeom prst="bentConnector2">
@@ -5161,6 +5163,7 @@
         <p:nvCxnSpPr>
           <p:cNvPr id="137" name="Elbow Connector 136"/>
           <p:cNvCxnSpPr>
+            <a:cxnSpLocks/>
             <a:stCxn id="36" idx="2"/>
             <a:endCxn id="37" idx="1"/>
           </p:cNvCxnSpPr>
@@ -5168,8 +5171,8 @@
         </p:nvCxnSpPr>
         <p:spPr>
           <a:xfrm rot="16200000" flipH="1">
-            <a:off x="3430123" y="3938021"/>
-            <a:ext cx="118421" cy="699979"/>
+            <a:off x="3456577" y="3289639"/>
+            <a:ext cx="118421" cy="650542"/>
           </a:xfrm>
           <a:prstGeom prst="bentConnector2">
             <a:avLst/>
@@ -5202,6 +5205,7 @@
         <p:nvCxnSpPr>
           <p:cNvPr id="140" name="Elbow Connector 63"/>
           <p:cNvCxnSpPr>
+            <a:cxnSpLocks/>
             <a:stCxn id="16" idx="3"/>
             <a:endCxn id="36" idx="3"/>
           </p:cNvCxnSpPr>
@@ -5209,8 +5213,8 @@
         </p:nvCxnSpPr>
         <p:spPr>
           <a:xfrm rot="5400000">
-            <a:off x="3695875" y="2276286"/>
-            <a:ext cx="1824381" cy="1843808"/>
+            <a:off x="3747047" y="1652622"/>
+            <a:ext cx="1824381" cy="1744934"/>
           </a:xfrm>
           <a:prstGeom prst="bentConnector2">
             <a:avLst/>
@@ -5247,7 +5251,7 @@
         </p:nvSpPr>
         <p:spPr>
           <a:xfrm>
-            <a:off x="5422048" y="2339335"/>
+            <a:off x="5423783" y="1666234"/>
             <a:ext cx="229325" cy="166560"/>
           </a:xfrm>
           <a:prstGeom prst="rect">
@@ -5300,7 +5304,7 @@
         </p:nvSpPr>
         <p:spPr>
           <a:xfrm>
-            <a:off x="3186477" y="2405681"/>
+            <a:off x="3188212" y="1732580"/>
             <a:ext cx="3537529" cy="45719"/>
           </a:xfrm>
           <a:custGeom>
@@ -5382,7 +5386,7 @@
         </p:nvSpPr>
         <p:spPr>
           <a:xfrm>
-            <a:off x="5431573" y="4488138"/>
+            <a:off x="5433308" y="3815037"/>
             <a:ext cx="229325" cy="160062"/>
           </a:xfrm>
           <a:prstGeom prst="rect">
@@ -5435,7 +5439,1093 @@
         </p:nvSpPr>
         <p:spPr>
           <a:xfrm flipV="1">
-            <a:off x="4114799" y="4472708"/>
+            <a:off x="4116534" y="3799607"/>
+            <a:ext cx="2642195" cy="101600"/>
+          </a:xfrm>
+          <a:custGeom>
+            <a:avLst/>
+            <a:gdLst>
+              <a:gd name="connsiteX0" fmla="*/ 0 w 3048000"/>
+              <a:gd name="connsiteY0" fmla="*/ 203200 h 203200"/>
+              <a:gd name="connsiteX1" fmla="*/ 221673 w 3048000"/>
+              <a:gd name="connsiteY1" fmla="*/ 0 h 203200"/>
+              <a:gd name="connsiteX2" fmla="*/ 3048000 w 3048000"/>
+              <a:gd name="connsiteY2" fmla="*/ 0 h 203200"/>
+            </a:gdLst>
+            <a:ahLst/>
+            <a:cxnLst>
+              <a:cxn ang="0">
+                <a:pos x="connsiteX0" y="connsiteY0"/>
+              </a:cxn>
+              <a:cxn ang="0">
+                <a:pos x="connsiteX1" y="connsiteY1"/>
+              </a:cxn>
+              <a:cxn ang="0">
+                <a:pos x="connsiteX2" y="connsiteY2"/>
+              </a:cxn>
+            </a:cxnLst>
+            <a:rect l="l" t="t" r="r" b="b"/>
+            <a:pathLst>
+              <a:path w="3048000" h="203200">
+                <a:moveTo>
+                  <a:pt x="0" y="203200"/>
+                </a:moveTo>
+                <a:lnTo>
+                  <a:pt x="221673" y="0"/>
+                </a:lnTo>
+                <a:lnTo>
+                  <a:pt x="3048000" y="0"/>
+                </a:lnTo>
+              </a:path>
+            </a:pathLst>
+          </a:custGeom>
+          <a:noFill/>
+          <a:ln w="19050">
+            <a:solidFill>
+              <a:schemeClr val="accent3"/>
+            </a:solidFill>
+            <a:prstDash val="sysDot"/>
+            <a:headEnd type="none" w="med" len="med"/>
+            <a:tailEnd type="arrow" w="med" len="med"/>
+          </a:ln>
+          <a:effectLst/>
+        </p:spPr>
+        <p:style>
+          <a:lnRef idx="1">
+            <a:schemeClr val="accent2"/>
+          </a:lnRef>
+          <a:fillRef idx="2">
+            <a:schemeClr val="accent2"/>
+          </a:fillRef>
+          <a:effectRef idx="1">
+            <a:schemeClr val="accent2"/>
+          </a:effectRef>
+          <a:fontRef idx="minor">
+            <a:schemeClr val="dk1"/>
+          </a:fontRef>
+        </p:style>
+        <p:txBody>
+          <a:bodyPr rtlCol="0" anchor="ctr"/>
+          <a:lstStyle/>
+          <a:p>
+            <a:pPr algn="ctr"/>
+            <a:endParaRPr lang="en-SG"/>
+          </a:p>
+        </p:txBody>
+      </p:sp>
+      <p:sp>
+        <p:nvSpPr>
+          <p:cNvPr id="52" name="Rectangle 11">
+            <a:extLst>
+              <a:ext uri="{FF2B5EF4-FFF2-40B4-BE49-F238E27FC236}">
+                <a16:creationId xmlns:a16="http://schemas.microsoft.com/office/drawing/2014/main" id="{14B29FA6-C72C-3D40-8DC5-CD6E35D98B58}"/>
+              </a:ext>
+            </a:extLst>
+          </p:cNvPr>
+          <p:cNvSpPr/>
+          <p:nvPr/>
+        </p:nvSpPr>
+        <p:spPr>
+          <a:xfrm>
+            <a:off x="2592534" y="3766085"/>
+            <a:ext cx="1192509" cy="355856"/>
+          </a:xfrm>
+          <a:prstGeom prst="rect">
+            <a:avLst/>
+          </a:prstGeom>
+          <a:ln w="19050">
+            <a:solidFill>
+              <a:schemeClr val="accent3"/>
+            </a:solidFill>
+          </a:ln>
+          <a:effectLst/>
+        </p:spPr>
+        <p:style>
+          <a:lnRef idx="1">
+            <a:schemeClr val="accent3"/>
+          </a:lnRef>
+          <a:fillRef idx="2">
+            <a:schemeClr val="accent3"/>
+          </a:fillRef>
+          <a:effectRef idx="1">
+            <a:schemeClr val="accent3"/>
+          </a:effectRef>
+          <a:fontRef idx="minor">
+            <a:schemeClr val="dk1"/>
+          </a:fontRef>
+        </p:style>
+        <p:txBody>
+          <a:bodyPr rtlCol="0" anchor="ctr"/>
+          <a:lstStyle/>
+          <a:p>
+            <a:pPr algn="ctr"/>
+            <a:r>
+              <a:rPr lang="en-US" sz="1050" b="1" dirty="0" err="1">
+                <a:solidFill>
+                  <a:schemeClr val="accent3">
+                    <a:lumMod val="75000"/>
+                  </a:schemeClr>
+                </a:solidFill>
+              </a:rPr>
+              <a:t>RecurringExpenseListPanel</a:t>
+            </a:r>
+            <a:endParaRPr lang="en-SG" sz="1050" b="1" dirty="0">
+              <a:solidFill>
+                <a:schemeClr val="accent3">
+                  <a:lumMod val="75000"/>
+                </a:schemeClr>
+              </a:solidFill>
+            </a:endParaRPr>
+          </a:p>
+        </p:txBody>
+      </p:sp>
+      <p:sp>
+        <p:nvSpPr>
+          <p:cNvPr id="54" name="Rectangle 11">
+            <a:extLst>
+              <a:ext uri="{FF2B5EF4-FFF2-40B4-BE49-F238E27FC236}">
+                <a16:creationId xmlns:a16="http://schemas.microsoft.com/office/drawing/2014/main" id="{C7BFFCFE-0E0A-C547-A0E8-444B4D8900F5}"/>
+              </a:ext>
+            </a:extLst>
+          </p:cNvPr>
+          <p:cNvSpPr/>
+          <p:nvPr/>
+        </p:nvSpPr>
+        <p:spPr>
+          <a:xfrm>
+            <a:off x="3845472" y="4101278"/>
+            <a:ext cx="1550979" cy="236841"/>
+          </a:xfrm>
+          <a:prstGeom prst="rect">
+            <a:avLst/>
+          </a:prstGeom>
+          <a:ln w="19050">
+            <a:solidFill>
+              <a:schemeClr val="accent3"/>
+            </a:solidFill>
+          </a:ln>
+          <a:effectLst/>
+        </p:spPr>
+        <p:style>
+          <a:lnRef idx="1">
+            <a:schemeClr val="accent3"/>
+          </a:lnRef>
+          <a:fillRef idx="2">
+            <a:schemeClr val="accent3"/>
+          </a:fillRef>
+          <a:effectRef idx="1">
+            <a:schemeClr val="accent3"/>
+          </a:effectRef>
+          <a:fontRef idx="minor">
+            <a:schemeClr val="dk1"/>
+          </a:fontRef>
+        </p:style>
+        <p:txBody>
+          <a:bodyPr rtlCol="0" anchor="ctr"/>
+          <a:lstStyle/>
+          <a:p>
+            <a:pPr algn="ctr"/>
+            <a:r>
+              <a:rPr lang="en-US" sz="1050" b="1" dirty="0" err="1">
+                <a:solidFill>
+                  <a:schemeClr val="accent3">
+                    <a:lumMod val="75000"/>
+                  </a:schemeClr>
+                </a:solidFill>
+              </a:rPr>
+              <a:t>RecurringExpenseCard</a:t>
+            </a:r>
+            <a:endParaRPr lang="en-SG" sz="1050" b="1" dirty="0">
+              <a:solidFill>
+                <a:schemeClr val="accent3">
+                  <a:lumMod val="75000"/>
+                </a:schemeClr>
+              </a:solidFill>
+            </a:endParaRPr>
+          </a:p>
+        </p:txBody>
+      </p:sp>
+      <p:cxnSp>
+        <p:nvCxnSpPr>
+          <p:cNvPr id="55" name="Elbow Connector 63">
+            <a:extLst>
+              <a:ext uri="{FF2B5EF4-FFF2-40B4-BE49-F238E27FC236}">
+                <a16:creationId xmlns:a16="http://schemas.microsoft.com/office/drawing/2014/main" id="{8B17BD26-86F4-3D4B-830C-BCE6F94179CA}"/>
+              </a:ext>
+            </a:extLst>
+          </p:cNvPr>
+          <p:cNvCxnSpPr>
+            <a:cxnSpLocks/>
+            <a:endCxn id="52" idx="1"/>
+          </p:cNvCxnSpPr>
+          <p:nvPr/>
+        </p:nvCxnSpPr>
+        <p:spPr>
+          <a:xfrm rot="16200000" flipH="1">
+            <a:off x="1912909" y="3264388"/>
+            <a:ext cx="1182850" cy="176399"/>
+          </a:xfrm>
+          <a:prstGeom prst="bentConnector2">
+            <a:avLst/>
+          </a:prstGeom>
+          <a:ln w="19050">
+            <a:solidFill>
+              <a:schemeClr val="accent3"/>
+            </a:solidFill>
+            <a:headEnd type="none" w="med" len="med"/>
+            <a:tailEnd type="arrow" w="med" len="med"/>
+          </a:ln>
+          <a:effectLst/>
+        </p:spPr>
+        <p:style>
+          <a:lnRef idx="1">
+            <a:schemeClr val="accent2"/>
+          </a:lnRef>
+          <a:fillRef idx="2">
+            <a:schemeClr val="accent2"/>
+          </a:fillRef>
+          <a:effectRef idx="1">
+            <a:schemeClr val="accent2"/>
+          </a:effectRef>
+          <a:fontRef idx="minor">
+            <a:schemeClr val="dk1"/>
+          </a:fontRef>
+        </p:style>
+      </p:cxnSp>
+      <p:cxnSp>
+        <p:nvCxnSpPr>
+          <p:cNvPr id="56" name="Elbow Connector 55">
+            <a:extLst>
+              <a:ext uri="{FF2B5EF4-FFF2-40B4-BE49-F238E27FC236}">
+                <a16:creationId xmlns:a16="http://schemas.microsoft.com/office/drawing/2014/main" id="{BA1145D1-8763-C94E-AE51-42FD2032AB53}"/>
+              </a:ext>
+            </a:extLst>
+          </p:cNvPr>
+          <p:cNvCxnSpPr>
+            <a:cxnSpLocks/>
+            <a:stCxn id="52" idx="2"/>
+            <a:endCxn id="54" idx="1"/>
+          </p:cNvCxnSpPr>
+          <p:nvPr/>
+        </p:nvCxnSpPr>
+        <p:spPr>
+          <a:xfrm rot="16200000" flipH="1">
+            <a:off x="3468251" y="3842478"/>
+            <a:ext cx="97758" cy="656683"/>
+          </a:xfrm>
+          <a:prstGeom prst="bentConnector2">
+            <a:avLst/>
+          </a:prstGeom>
+          <a:ln w="19050">
+            <a:solidFill>
+              <a:schemeClr val="accent3"/>
+            </a:solidFill>
+            <a:headEnd type="none" w="med" len="med"/>
+            <a:tailEnd type="arrow" w="med" len="med"/>
+          </a:ln>
+          <a:effectLst/>
+        </p:spPr>
+        <p:style>
+          <a:lnRef idx="1">
+            <a:schemeClr val="accent2"/>
+          </a:lnRef>
+          <a:fillRef idx="2">
+            <a:schemeClr val="accent2"/>
+          </a:fillRef>
+          <a:effectRef idx="1">
+            <a:schemeClr val="accent2"/>
+          </a:effectRef>
+          <a:fontRef idx="minor">
+            <a:schemeClr val="dk1"/>
+          </a:fontRef>
+        </p:style>
+      </p:cxnSp>
+      <p:cxnSp>
+        <p:nvCxnSpPr>
+          <p:cNvPr id="57" name="Elbow Connector 63">
+            <a:extLst>
+              <a:ext uri="{FF2B5EF4-FFF2-40B4-BE49-F238E27FC236}">
+                <a16:creationId xmlns:a16="http://schemas.microsoft.com/office/drawing/2014/main" id="{2A87CF82-B9AF-EF4C-87AA-4849D421F732}"/>
+              </a:ext>
+            </a:extLst>
+          </p:cNvPr>
+          <p:cNvCxnSpPr>
+            <a:cxnSpLocks/>
+            <a:endCxn id="52" idx="3"/>
+          </p:cNvCxnSpPr>
+          <p:nvPr/>
+        </p:nvCxnSpPr>
+        <p:spPr>
+          <a:xfrm rot="5400000">
+            <a:off x="3775075" y="2189107"/>
+            <a:ext cx="1764875" cy="1744937"/>
+          </a:xfrm>
+          <a:prstGeom prst="bentConnector2">
+            <a:avLst/>
+          </a:prstGeom>
+          <a:ln w="6350">
+            <a:solidFill>
+              <a:schemeClr val="accent3"/>
+            </a:solidFill>
+            <a:headEnd type="none" w="med" len="med"/>
+            <a:tailEnd type="none" w="med" len="med"/>
+          </a:ln>
+          <a:effectLst/>
+        </p:spPr>
+        <p:style>
+          <a:lnRef idx="1">
+            <a:schemeClr val="accent2"/>
+          </a:lnRef>
+          <a:fillRef idx="2">
+            <a:schemeClr val="accent2"/>
+          </a:fillRef>
+          <a:effectRef idx="1">
+            <a:schemeClr val="accent2"/>
+          </a:effectRef>
+          <a:fontRef idx="minor">
+            <a:schemeClr val="dk1"/>
+          </a:fontRef>
+        </p:style>
+      </p:cxnSp>
+      <p:sp>
+        <p:nvSpPr>
+          <p:cNvPr id="58" name="Freeform 57">
+            <a:extLst>
+              <a:ext uri="{FF2B5EF4-FFF2-40B4-BE49-F238E27FC236}">
+                <a16:creationId xmlns:a16="http://schemas.microsoft.com/office/drawing/2014/main" id="{F609E4F3-C1B0-6045-AE23-F5FCEF031F1D}"/>
+              </a:ext>
+            </a:extLst>
+          </p:cNvPr>
+          <p:cNvSpPr/>
+          <p:nvPr/>
+        </p:nvSpPr>
+        <p:spPr>
+          <a:xfrm flipV="1">
+            <a:off x="4120949" y="4345185"/>
+            <a:ext cx="2642195" cy="101600"/>
+          </a:xfrm>
+          <a:custGeom>
+            <a:avLst/>
+            <a:gdLst>
+              <a:gd name="connsiteX0" fmla="*/ 0 w 3048000"/>
+              <a:gd name="connsiteY0" fmla="*/ 203200 h 203200"/>
+              <a:gd name="connsiteX1" fmla="*/ 221673 w 3048000"/>
+              <a:gd name="connsiteY1" fmla="*/ 0 h 203200"/>
+              <a:gd name="connsiteX2" fmla="*/ 3048000 w 3048000"/>
+              <a:gd name="connsiteY2" fmla="*/ 0 h 203200"/>
+            </a:gdLst>
+            <a:ahLst/>
+            <a:cxnLst>
+              <a:cxn ang="0">
+                <a:pos x="connsiteX0" y="connsiteY0"/>
+              </a:cxn>
+              <a:cxn ang="0">
+                <a:pos x="connsiteX1" y="connsiteY1"/>
+              </a:cxn>
+              <a:cxn ang="0">
+                <a:pos x="connsiteX2" y="connsiteY2"/>
+              </a:cxn>
+            </a:cxnLst>
+            <a:rect l="l" t="t" r="r" b="b"/>
+            <a:pathLst>
+              <a:path w="3048000" h="203200">
+                <a:moveTo>
+                  <a:pt x="0" y="203200"/>
+                </a:moveTo>
+                <a:lnTo>
+                  <a:pt x="221673" y="0"/>
+                </a:lnTo>
+                <a:lnTo>
+                  <a:pt x="3048000" y="0"/>
+                </a:lnTo>
+              </a:path>
+            </a:pathLst>
+          </a:custGeom>
+          <a:noFill/>
+          <a:ln w="19050">
+            <a:solidFill>
+              <a:schemeClr val="accent3"/>
+            </a:solidFill>
+            <a:prstDash val="sysDot"/>
+            <a:headEnd type="none" w="med" len="med"/>
+            <a:tailEnd type="arrow" w="med" len="med"/>
+          </a:ln>
+          <a:effectLst/>
+        </p:spPr>
+        <p:style>
+          <a:lnRef idx="1">
+            <a:schemeClr val="accent2"/>
+          </a:lnRef>
+          <a:fillRef idx="2">
+            <a:schemeClr val="accent2"/>
+          </a:fillRef>
+          <a:effectRef idx="1">
+            <a:schemeClr val="accent2"/>
+          </a:effectRef>
+          <a:fontRef idx="minor">
+            <a:schemeClr val="dk1"/>
+          </a:fontRef>
+        </p:style>
+        <p:txBody>
+          <a:bodyPr rtlCol="0" anchor="ctr"/>
+          <a:lstStyle/>
+          <a:p>
+            <a:pPr algn="ctr"/>
+            <a:endParaRPr lang="en-SG"/>
+          </a:p>
+        </p:txBody>
+      </p:sp>
+      <p:sp>
+        <p:nvSpPr>
+          <p:cNvPr id="59" name="Rectangle 11">
+            <a:extLst>
+              <a:ext uri="{FF2B5EF4-FFF2-40B4-BE49-F238E27FC236}">
+                <a16:creationId xmlns:a16="http://schemas.microsoft.com/office/drawing/2014/main" id="{81FE3E3E-0AD6-0D4F-B27B-8CF51491B0AB}"/>
+              </a:ext>
+            </a:extLst>
+          </p:cNvPr>
+          <p:cNvSpPr/>
+          <p:nvPr/>
+        </p:nvSpPr>
+        <p:spPr>
+          <a:xfrm>
+            <a:off x="2592534" y="4377328"/>
+            <a:ext cx="1192509" cy="236841"/>
+          </a:xfrm>
+          <a:prstGeom prst="rect">
+            <a:avLst/>
+          </a:prstGeom>
+          <a:ln w="19050">
+            <a:solidFill>
+              <a:schemeClr val="accent3"/>
+            </a:solidFill>
+          </a:ln>
+          <a:effectLst/>
+        </p:spPr>
+        <p:style>
+          <a:lnRef idx="1">
+            <a:schemeClr val="accent3"/>
+          </a:lnRef>
+          <a:fillRef idx="2">
+            <a:schemeClr val="accent3"/>
+          </a:fillRef>
+          <a:effectRef idx="1">
+            <a:schemeClr val="accent3"/>
+          </a:effectRef>
+          <a:fontRef idx="minor">
+            <a:schemeClr val="dk1"/>
+          </a:fontRef>
+        </p:style>
+        <p:txBody>
+          <a:bodyPr rtlCol="0" anchor="ctr"/>
+          <a:lstStyle/>
+          <a:p>
+            <a:pPr algn="ctr"/>
+            <a:r>
+              <a:rPr lang="en-US" sz="1050" b="1" dirty="0" err="1">
+                <a:solidFill>
+                  <a:schemeClr val="accent3">
+                    <a:lumMod val="75000"/>
+                  </a:schemeClr>
+                </a:solidFill>
+              </a:rPr>
+              <a:t>DebtListPanel</a:t>
+            </a:r>
+            <a:endParaRPr lang="en-SG" sz="1050" b="1" dirty="0">
+              <a:solidFill>
+                <a:schemeClr val="accent3">
+                  <a:lumMod val="75000"/>
+                </a:schemeClr>
+              </a:solidFill>
+            </a:endParaRPr>
+          </a:p>
+        </p:txBody>
+      </p:sp>
+      <p:sp>
+        <p:nvSpPr>
+          <p:cNvPr id="60" name="Rectangle 11">
+            <a:extLst>
+              <a:ext uri="{FF2B5EF4-FFF2-40B4-BE49-F238E27FC236}">
+                <a16:creationId xmlns:a16="http://schemas.microsoft.com/office/drawing/2014/main" id="{6445A163-4517-9440-B57C-5B3E3E1E797F}"/>
+              </a:ext>
+            </a:extLst>
+          </p:cNvPr>
+          <p:cNvSpPr/>
+          <p:nvPr/>
+        </p:nvSpPr>
+        <p:spPr>
+          <a:xfrm>
+            <a:off x="3829233" y="4599142"/>
+            <a:ext cx="1040906" cy="236841"/>
+          </a:xfrm>
+          <a:prstGeom prst="rect">
+            <a:avLst/>
+          </a:prstGeom>
+          <a:ln w="19050">
+            <a:solidFill>
+              <a:schemeClr val="accent3"/>
+            </a:solidFill>
+          </a:ln>
+          <a:effectLst/>
+        </p:spPr>
+        <p:style>
+          <a:lnRef idx="1">
+            <a:schemeClr val="accent3"/>
+          </a:lnRef>
+          <a:fillRef idx="2">
+            <a:schemeClr val="accent3"/>
+          </a:fillRef>
+          <a:effectRef idx="1">
+            <a:schemeClr val="accent3"/>
+          </a:effectRef>
+          <a:fontRef idx="minor">
+            <a:schemeClr val="dk1"/>
+          </a:fontRef>
+        </p:style>
+        <p:txBody>
+          <a:bodyPr rtlCol="0" anchor="ctr"/>
+          <a:lstStyle/>
+          <a:p>
+            <a:pPr algn="ctr"/>
+            <a:r>
+              <a:rPr lang="en-US" sz="1050" b="1" dirty="0" err="1">
+                <a:solidFill>
+                  <a:schemeClr val="accent3">
+                    <a:lumMod val="75000"/>
+                  </a:schemeClr>
+                </a:solidFill>
+              </a:rPr>
+              <a:t>DebtCard</a:t>
+            </a:r>
+            <a:endParaRPr lang="en-SG" sz="1050" b="1" dirty="0">
+              <a:solidFill>
+                <a:schemeClr val="accent3">
+                  <a:lumMod val="75000"/>
+                </a:schemeClr>
+              </a:solidFill>
+            </a:endParaRPr>
+          </a:p>
+        </p:txBody>
+      </p:sp>
+      <p:cxnSp>
+        <p:nvCxnSpPr>
+          <p:cNvPr id="61" name="Elbow Connector 63">
+            <a:extLst>
+              <a:ext uri="{FF2B5EF4-FFF2-40B4-BE49-F238E27FC236}">
+                <a16:creationId xmlns:a16="http://schemas.microsoft.com/office/drawing/2014/main" id="{130A45D2-F31C-014F-9C65-C7F55AD06F24}"/>
+              </a:ext>
+            </a:extLst>
+          </p:cNvPr>
+          <p:cNvCxnSpPr>
+            <a:cxnSpLocks/>
+            <a:endCxn id="59" idx="1"/>
+          </p:cNvCxnSpPr>
+          <p:nvPr/>
+        </p:nvCxnSpPr>
+        <p:spPr>
+          <a:xfrm rot="16200000" flipH="1">
+            <a:off x="1883156" y="3786371"/>
+            <a:ext cx="1242356" cy="176400"/>
+          </a:xfrm>
+          <a:prstGeom prst="bentConnector2">
+            <a:avLst/>
+          </a:prstGeom>
+          <a:ln w="19050">
+            <a:solidFill>
+              <a:schemeClr val="accent3"/>
+            </a:solidFill>
+            <a:headEnd type="none" w="med" len="med"/>
+            <a:tailEnd type="arrow" w="med" len="med"/>
+          </a:ln>
+          <a:effectLst/>
+        </p:spPr>
+        <p:style>
+          <a:lnRef idx="1">
+            <a:schemeClr val="accent2"/>
+          </a:lnRef>
+          <a:fillRef idx="2">
+            <a:schemeClr val="accent2"/>
+          </a:fillRef>
+          <a:effectRef idx="1">
+            <a:schemeClr val="accent2"/>
+          </a:effectRef>
+          <a:fontRef idx="minor">
+            <a:schemeClr val="dk1"/>
+          </a:fontRef>
+        </p:style>
+      </p:cxnSp>
+      <p:cxnSp>
+        <p:nvCxnSpPr>
+          <p:cNvPr id="62" name="Elbow Connector 61">
+            <a:extLst>
+              <a:ext uri="{FF2B5EF4-FFF2-40B4-BE49-F238E27FC236}">
+                <a16:creationId xmlns:a16="http://schemas.microsoft.com/office/drawing/2014/main" id="{5D7649E3-FC54-B24B-8317-51D85080CA9F}"/>
+              </a:ext>
+            </a:extLst>
+          </p:cNvPr>
+          <p:cNvCxnSpPr>
+            <a:cxnSpLocks/>
+            <a:stCxn id="59" idx="2"/>
+            <a:endCxn id="60" idx="1"/>
+          </p:cNvCxnSpPr>
+          <p:nvPr/>
+        </p:nvCxnSpPr>
+        <p:spPr>
+          <a:xfrm rot="16200000" flipH="1">
+            <a:off x="3457314" y="4345644"/>
+            <a:ext cx="103394" cy="640444"/>
+          </a:xfrm>
+          <a:prstGeom prst="bentConnector2">
+            <a:avLst/>
+          </a:prstGeom>
+          <a:ln w="19050">
+            <a:solidFill>
+              <a:schemeClr val="accent3"/>
+            </a:solidFill>
+            <a:headEnd type="none" w="med" len="med"/>
+            <a:tailEnd type="arrow" w="med" len="med"/>
+          </a:ln>
+          <a:effectLst/>
+        </p:spPr>
+        <p:style>
+          <a:lnRef idx="1">
+            <a:schemeClr val="accent2"/>
+          </a:lnRef>
+          <a:fillRef idx="2">
+            <a:schemeClr val="accent2"/>
+          </a:fillRef>
+          <a:effectRef idx="1">
+            <a:schemeClr val="accent2"/>
+          </a:effectRef>
+          <a:fontRef idx="minor">
+            <a:schemeClr val="dk1"/>
+          </a:fontRef>
+        </p:style>
+      </p:cxnSp>
+      <p:cxnSp>
+        <p:nvCxnSpPr>
+          <p:cNvPr id="63" name="Elbow Connector 63">
+            <a:extLst>
+              <a:ext uri="{FF2B5EF4-FFF2-40B4-BE49-F238E27FC236}">
+                <a16:creationId xmlns:a16="http://schemas.microsoft.com/office/drawing/2014/main" id="{0E94A6F9-11B1-6840-95EB-5A0430F7572F}"/>
+              </a:ext>
+            </a:extLst>
+          </p:cNvPr>
+          <p:cNvCxnSpPr>
+            <a:cxnSpLocks/>
+            <a:endCxn id="59" idx="3"/>
+          </p:cNvCxnSpPr>
+          <p:nvPr/>
+        </p:nvCxnSpPr>
+        <p:spPr>
+          <a:xfrm rot="5400000">
+            <a:off x="3745320" y="2711091"/>
+            <a:ext cx="1824381" cy="1744934"/>
+          </a:xfrm>
+          <a:prstGeom prst="bentConnector2">
+            <a:avLst/>
+          </a:prstGeom>
+          <a:ln w="6350">
+            <a:solidFill>
+              <a:schemeClr val="accent3"/>
+            </a:solidFill>
+            <a:headEnd type="none" w="med" len="med"/>
+            <a:tailEnd type="none" w="med" len="med"/>
+          </a:ln>
+          <a:effectLst/>
+        </p:spPr>
+        <p:style>
+          <a:lnRef idx="1">
+            <a:schemeClr val="accent2"/>
+          </a:lnRef>
+          <a:fillRef idx="2">
+            <a:schemeClr val="accent2"/>
+          </a:fillRef>
+          <a:effectRef idx="1">
+            <a:schemeClr val="accent2"/>
+          </a:effectRef>
+          <a:fontRef idx="minor">
+            <a:schemeClr val="dk1"/>
+          </a:fontRef>
+        </p:style>
+      </p:cxnSp>
+      <p:sp>
+        <p:nvSpPr>
+          <p:cNvPr id="64" name="Freeform 63">
+            <a:extLst>
+              <a:ext uri="{FF2B5EF4-FFF2-40B4-BE49-F238E27FC236}">
+                <a16:creationId xmlns:a16="http://schemas.microsoft.com/office/drawing/2014/main" id="{9720C423-2BA9-DB4C-BA45-5CCC722F542F}"/>
+              </a:ext>
+            </a:extLst>
+          </p:cNvPr>
+          <p:cNvSpPr/>
+          <p:nvPr/>
+        </p:nvSpPr>
+        <p:spPr>
+          <a:xfrm flipV="1">
+            <a:off x="4104709" y="4843049"/>
+            <a:ext cx="2642195" cy="101600"/>
+          </a:xfrm>
+          <a:custGeom>
+            <a:avLst/>
+            <a:gdLst>
+              <a:gd name="connsiteX0" fmla="*/ 0 w 3048000"/>
+              <a:gd name="connsiteY0" fmla="*/ 203200 h 203200"/>
+              <a:gd name="connsiteX1" fmla="*/ 221673 w 3048000"/>
+              <a:gd name="connsiteY1" fmla="*/ 0 h 203200"/>
+              <a:gd name="connsiteX2" fmla="*/ 3048000 w 3048000"/>
+              <a:gd name="connsiteY2" fmla="*/ 0 h 203200"/>
+            </a:gdLst>
+            <a:ahLst/>
+            <a:cxnLst>
+              <a:cxn ang="0">
+                <a:pos x="connsiteX0" y="connsiteY0"/>
+              </a:cxn>
+              <a:cxn ang="0">
+                <a:pos x="connsiteX1" y="connsiteY1"/>
+              </a:cxn>
+              <a:cxn ang="0">
+                <a:pos x="connsiteX2" y="connsiteY2"/>
+              </a:cxn>
+            </a:cxnLst>
+            <a:rect l="l" t="t" r="r" b="b"/>
+            <a:pathLst>
+              <a:path w="3048000" h="203200">
+                <a:moveTo>
+                  <a:pt x="0" y="203200"/>
+                </a:moveTo>
+                <a:lnTo>
+                  <a:pt x="221673" y="0"/>
+                </a:lnTo>
+                <a:lnTo>
+                  <a:pt x="3048000" y="0"/>
+                </a:lnTo>
+              </a:path>
+            </a:pathLst>
+          </a:custGeom>
+          <a:noFill/>
+          <a:ln w="19050">
+            <a:solidFill>
+              <a:schemeClr val="accent3"/>
+            </a:solidFill>
+            <a:prstDash val="sysDot"/>
+            <a:headEnd type="none" w="med" len="med"/>
+            <a:tailEnd type="arrow" w="med" len="med"/>
+          </a:ln>
+          <a:effectLst/>
+        </p:spPr>
+        <p:style>
+          <a:lnRef idx="1">
+            <a:schemeClr val="accent2"/>
+          </a:lnRef>
+          <a:fillRef idx="2">
+            <a:schemeClr val="accent2"/>
+          </a:fillRef>
+          <a:effectRef idx="1">
+            <a:schemeClr val="accent2"/>
+          </a:effectRef>
+          <a:fontRef idx="minor">
+            <a:schemeClr val="dk1"/>
+          </a:fontRef>
+        </p:style>
+        <p:txBody>
+          <a:bodyPr rtlCol="0" anchor="ctr"/>
+          <a:lstStyle/>
+          <a:p>
+            <a:pPr algn="ctr"/>
+            <a:endParaRPr lang="en-SG"/>
+          </a:p>
+        </p:txBody>
+      </p:sp>
+      <p:sp>
+        <p:nvSpPr>
+          <p:cNvPr id="71" name="Rectangle 11">
+            <a:extLst>
+              <a:ext uri="{FF2B5EF4-FFF2-40B4-BE49-F238E27FC236}">
+                <a16:creationId xmlns:a16="http://schemas.microsoft.com/office/drawing/2014/main" id="{C9CC6378-3B6B-1B41-87DC-3F62021C2ED5}"/>
+              </a:ext>
+            </a:extLst>
+          </p:cNvPr>
+          <p:cNvSpPr/>
+          <p:nvPr/>
+        </p:nvSpPr>
+        <p:spPr>
+          <a:xfrm>
+            <a:off x="2592534" y="4850477"/>
+            <a:ext cx="1192509" cy="236841"/>
+          </a:xfrm>
+          <a:prstGeom prst="rect">
+            <a:avLst/>
+          </a:prstGeom>
+          <a:ln w="19050">
+            <a:solidFill>
+              <a:schemeClr val="accent3"/>
+            </a:solidFill>
+          </a:ln>
+          <a:effectLst/>
+        </p:spPr>
+        <p:style>
+          <a:lnRef idx="1">
+            <a:schemeClr val="accent3"/>
+          </a:lnRef>
+          <a:fillRef idx="2">
+            <a:schemeClr val="accent3"/>
+          </a:fillRef>
+          <a:effectRef idx="1">
+            <a:schemeClr val="accent3"/>
+          </a:effectRef>
+          <a:fontRef idx="minor">
+            <a:schemeClr val="dk1"/>
+          </a:fontRef>
+        </p:style>
+        <p:txBody>
+          <a:bodyPr rtlCol="0" anchor="ctr"/>
+          <a:lstStyle/>
+          <a:p>
+            <a:pPr algn="ctr"/>
+            <a:r>
+              <a:rPr lang="en-US" sz="1050" b="1" dirty="0" err="1">
+                <a:solidFill>
+                  <a:schemeClr val="accent3">
+                    <a:lumMod val="75000"/>
+                  </a:schemeClr>
+                </a:solidFill>
+              </a:rPr>
+              <a:t>BudgetListPanel</a:t>
+            </a:r>
+            <a:endParaRPr lang="en-SG" sz="1050" b="1" dirty="0">
+              <a:solidFill>
+                <a:schemeClr val="accent3">
+                  <a:lumMod val="75000"/>
+                </a:schemeClr>
+              </a:solidFill>
+            </a:endParaRPr>
+          </a:p>
+        </p:txBody>
+      </p:sp>
+      <p:sp>
+        <p:nvSpPr>
+          <p:cNvPr id="72" name="Rectangle 11">
+            <a:extLst>
+              <a:ext uri="{FF2B5EF4-FFF2-40B4-BE49-F238E27FC236}">
+                <a16:creationId xmlns:a16="http://schemas.microsoft.com/office/drawing/2014/main" id="{6F621978-F1EF-1C40-9855-08A28AE461BE}"/>
+              </a:ext>
+            </a:extLst>
+          </p:cNvPr>
+          <p:cNvSpPr/>
+          <p:nvPr/>
+        </p:nvSpPr>
+        <p:spPr>
+          <a:xfrm>
+            <a:off x="3849524" y="5074254"/>
+            <a:ext cx="1040906" cy="236841"/>
+          </a:xfrm>
+          <a:prstGeom prst="rect">
+            <a:avLst/>
+          </a:prstGeom>
+          <a:ln w="19050">
+            <a:solidFill>
+              <a:schemeClr val="accent3"/>
+            </a:solidFill>
+          </a:ln>
+          <a:effectLst/>
+        </p:spPr>
+        <p:style>
+          <a:lnRef idx="1">
+            <a:schemeClr val="accent3"/>
+          </a:lnRef>
+          <a:fillRef idx="2">
+            <a:schemeClr val="accent3"/>
+          </a:fillRef>
+          <a:effectRef idx="1">
+            <a:schemeClr val="accent3"/>
+          </a:effectRef>
+          <a:fontRef idx="minor">
+            <a:schemeClr val="dk1"/>
+          </a:fontRef>
+        </p:style>
+        <p:txBody>
+          <a:bodyPr rtlCol="0" anchor="ctr"/>
+          <a:lstStyle/>
+          <a:p>
+            <a:pPr algn="ctr"/>
+            <a:r>
+              <a:rPr lang="en-US" sz="1050" b="1" dirty="0" err="1">
+                <a:solidFill>
+                  <a:schemeClr val="accent3">
+                    <a:lumMod val="75000"/>
+                  </a:schemeClr>
+                </a:solidFill>
+              </a:rPr>
+              <a:t>BudgetCard</a:t>
+            </a:r>
+            <a:endParaRPr lang="en-SG" sz="1050" b="1" dirty="0">
+              <a:solidFill>
+                <a:schemeClr val="accent3">
+                  <a:lumMod val="75000"/>
+                </a:schemeClr>
+              </a:solidFill>
+            </a:endParaRPr>
+          </a:p>
+        </p:txBody>
+      </p:sp>
+      <p:cxnSp>
+        <p:nvCxnSpPr>
+          <p:cNvPr id="75" name="Elbow Connector 63">
+            <a:extLst>
+              <a:ext uri="{FF2B5EF4-FFF2-40B4-BE49-F238E27FC236}">
+                <a16:creationId xmlns:a16="http://schemas.microsoft.com/office/drawing/2014/main" id="{0F89565D-EA7F-9748-97F3-1070E67A96A1}"/>
+              </a:ext>
+            </a:extLst>
+          </p:cNvPr>
+          <p:cNvCxnSpPr>
+            <a:cxnSpLocks/>
+            <a:endCxn id="71" idx="1"/>
+          </p:cNvCxnSpPr>
+          <p:nvPr/>
+        </p:nvCxnSpPr>
+        <p:spPr>
+          <a:xfrm rot="16200000" flipH="1">
+            <a:off x="1883156" y="4259520"/>
+            <a:ext cx="1242356" cy="176400"/>
+          </a:xfrm>
+          <a:prstGeom prst="bentConnector2">
+            <a:avLst/>
+          </a:prstGeom>
+          <a:ln w="19050">
+            <a:solidFill>
+              <a:schemeClr val="accent3"/>
+            </a:solidFill>
+            <a:headEnd type="none" w="med" len="med"/>
+            <a:tailEnd type="arrow" w="med" len="med"/>
+          </a:ln>
+          <a:effectLst/>
+        </p:spPr>
+        <p:style>
+          <a:lnRef idx="1">
+            <a:schemeClr val="accent2"/>
+          </a:lnRef>
+          <a:fillRef idx="2">
+            <a:schemeClr val="accent2"/>
+          </a:fillRef>
+          <a:effectRef idx="1">
+            <a:schemeClr val="accent2"/>
+          </a:effectRef>
+          <a:fontRef idx="minor">
+            <a:schemeClr val="dk1"/>
+          </a:fontRef>
+        </p:style>
+      </p:cxnSp>
+      <p:cxnSp>
+        <p:nvCxnSpPr>
+          <p:cNvPr id="76" name="Elbow Connector 75">
+            <a:extLst>
+              <a:ext uri="{FF2B5EF4-FFF2-40B4-BE49-F238E27FC236}">
+                <a16:creationId xmlns:a16="http://schemas.microsoft.com/office/drawing/2014/main" id="{EC0CD796-543F-F446-8EA0-DF414838FDB3}"/>
+              </a:ext>
+            </a:extLst>
+          </p:cNvPr>
+          <p:cNvCxnSpPr>
+            <a:cxnSpLocks/>
+            <a:stCxn id="71" idx="2"/>
+            <a:endCxn id="72" idx="1"/>
+          </p:cNvCxnSpPr>
+          <p:nvPr/>
+        </p:nvCxnSpPr>
+        <p:spPr>
+          <a:xfrm rot="16200000" flipH="1">
+            <a:off x="3466478" y="4809628"/>
+            <a:ext cx="105357" cy="660735"/>
+          </a:xfrm>
+          <a:prstGeom prst="bentConnector2">
+            <a:avLst/>
+          </a:prstGeom>
+          <a:ln w="19050">
+            <a:solidFill>
+              <a:schemeClr val="accent3"/>
+            </a:solidFill>
+            <a:headEnd type="none" w="med" len="med"/>
+            <a:tailEnd type="arrow" w="med" len="med"/>
+          </a:ln>
+          <a:effectLst/>
+        </p:spPr>
+        <p:style>
+          <a:lnRef idx="1">
+            <a:schemeClr val="accent2"/>
+          </a:lnRef>
+          <a:fillRef idx="2">
+            <a:schemeClr val="accent2"/>
+          </a:fillRef>
+          <a:effectRef idx="1">
+            <a:schemeClr val="accent2"/>
+          </a:effectRef>
+          <a:fontRef idx="minor">
+            <a:schemeClr val="dk1"/>
+          </a:fontRef>
+        </p:style>
+      </p:cxnSp>
+      <p:cxnSp>
+        <p:nvCxnSpPr>
+          <p:cNvPr id="78" name="Elbow Connector 63">
+            <a:extLst>
+              <a:ext uri="{FF2B5EF4-FFF2-40B4-BE49-F238E27FC236}">
+                <a16:creationId xmlns:a16="http://schemas.microsoft.com/office/drawing/2014/main" id="{27953BEB-78E7-4745-84FC-6FD141FC90E7}"/>
+              </a:ext>
+            </a:extLst>
+          </p:cNvPr>
+          <p:cNvCxnSpPr>
+            <a:cxnSpLocks/>
+            <a:endCxn id="71" idx="3"/>
+          </p:cNvCxnSpPr>
+          <p:nvPr/>
+        </p:nvCxnSpPr>
+        <p:spPr>
+          <a:xfrm rot="5400000">
+            <a:off x="3745320" y="3184240"/>
+            <a:ext cx="1824381" cy="1744934"/>
+          </a:xfrm>
+          <a:prstGeom prst="bentConnector2">
+            <a:avLst/>
+          </a:prstGeom>
+          <a:ln w="6350">
+            <a:solidFill>
+              <a:schemeClr val="accent3"/>
+            </a:solidFill>
+            <a:headEnd type="none" w="med" len="med"/>
+            <a:tailEnd type="none" w="med" len="med"/>
+          </a:ln>
+          <a:effectLst/>
+        </p:spPr>
+        <p:style>
+          <a:lnRef idx="1">
+            <a:schemeClr val="accent2"/>
+          </a:lnRef>
+          <a:fillRef idx="2">
+            <a:schemeClr val="accent2"/>
+          </a:fillRef>
+          <a:effectRef idx="1">
+            <a:schemeClr val="accent2"/>
+          </a:effectRef>
+          <a:fontRef idx="minor">
+            <a:schemeClr val="dk1"/>
+          </a:fontRef>
+        </p:style>
+      </p:cxnSp>
+      <p:sp>
+        <p:nvSpPr>
+          <p:cNvPr id="79" name="Freeform 78">
+            <a:extLst>
+              <a:ext uri="{FF2B5EF4-FFF2-40B4-BE49-F238E27FC236}">
+                <a16:creationId xmlns:a16="http://schemas.microsoft.com/office/drawing/2014/main" id="{27B0C5CB-07FD-984B-8D0B-0B911E889362}"/>
+              </a:ext>
+            </a:extLst>
+          </p:cNvPr>
+          <p:cNvSpPr/>
+          <p:nvPr/>
+        </p:nvSpPr>
+        <p:spPr>
+          <a:xfrm flipV="1">
+            <a:off x="4125000" y="5318161"/>
             <a:ext cx="2642195" cy="101600"/>
           </a:xfrm>
           <a:custGeom>

--- a/docs/diagrams/UiComponentClassDiagram.pptx
+++ b/docs/diagrams/UiComponentClassDiagram.pptx
@@ -208,7 +208,7 @@
           <a:p>
             <a:fld id="{F5CC4B3F-88C1-4FFA-B1B6-F41C21DC6924}" type="datetimeFigureOut">
               <a:rPr lang="en-US" smtClean="0"/>
-              <a:t>3/5/19</a:t>
+              <a:t>3/10/19</a:t>
             </a:fld>
             <a:endParaRPr lang="en-US"/>
           </a:p>
@@ -654,7 +654,7 @@
           <a:p>
             <a:fld id="{78C97017-6FC3-485B-9764-EAC9E56C1D49}" type="datetimeFigureOut">
               <a:rPr lang="en-US" smtClean="0"/>
-              <a:t>3/5/19</a:t>
+              <a:t>3/10/19</a:t>
             </a:fld>
             <a:endParaRPr lang="en-US"/>
           </a:p>
@@ -822,7 +822,7 @@
           <a:p>
             <a:fld id="{78C97017-6FC3-485B-9764-EAC9E56C1D49}" type="datetimeFigureOut">
               <a:rPr lang="en-US" smtClean="0"/>
-              <a:t>3/5/19</a:t>
+              <a:t>3/10/19</a:t>
             </a:fld>
             <a:endParaRPr lang="en-US"/>
           </a:p>
@@ -1000,7 +1000,7 @@
           <a:p>
             <a:fld id="{78C97017-6FC3-485B-9764-EAC9E56C1D49}" type="datetimeFigureOut">
               <a:rPr lang="en-US" smtClean="0"/>
-              <a:t>3/5/19</a:t>
+              <a:t>3/10/19</a:t>
             </a:fld>
             <a:endParaRPr lang="en-US"/>
           </a:p>
@@ -1168,7 +1168,7 @@
           <a:p>
             <a:fld id="{78C97017-6FC3-485B-9764-EAC9E56C1D49}" type="datetimeFigureOut">
               <a:rPr lang="en-US" smtClean="0"/>
-              <a:t>3/5/19</a:t>
+              <a:t>3/10/19</a:t>
             </a:fld>
             <a:endParaRPr lang="en-US"/>
           </a:p>
@@ -1413,7 +1413,7 @@
           <a:p>
             <a:fld id="{78C97017-6FC3-485B-9764-EAC9E56C1D49}" type="datetimeFigureOut">
               <a:rPr lang="en-US" smtClean="0"/>
-              <a:t>3/5/19</a:t>
+              <a:t>3/10/19</a:t>
             </a:fld>
             <a:endParaRPr lang="en-US"/>
           </a:p>
@@ -1698,7 +1698,7 @@
           <a:p>
             <a:fld id="{78C97017-6FC3-485B-9764-EAC9E56C1D49}" type="datetimeFigureOut">
               <a:rPr lang="en-US" smtClean="0"/>
-              <a:t>3/5/19</a:t>
+              <a:t>3/10/19</a:t>
             </a:fld>
             <a:endParaRPr lang="en-US"/>
           </a:p>
@@ -2117,7 +2117,7 @@
           <a:p>
             <a:fld id="{78C97017-6FC3-485B-9764-EAC9E56C1D49}" type="datetimeFigureOut">
               <a:rPr lang="en-US" smtClean="0"/>
-              <a:t>3/5/19</a:t>
+              <a:t>3/10/19</a:t>
             </a:fld>
             <a:endParaRPr lang="en-US"/>
           </a:p>
@@ -2234,7 +2234,7 @@
           <a:p>
             <a:fld id="{78C97017-6FC3-485B-9764-EAC9E56C1D49}" type="datetimeFigureOut">
               <a:rPr lang="en-US" smtClean="0"/>
-              <a:t>3/5/19</a:t>
+              <a:t>3/10/19</a:t>
             </a:fld>
             <a:endParaRPr lang="en-US"/>
           </a:p>
@@ -2329,7 +2329,7 @@
           <a:p>
             <a:fld id="{78C97017-6FC3-485B-9764-EAC9E56C1D49}" type="datetimeFigureOut">
               <a:rPr lang="en-US" smtClean="0"/>
-              <a:t>3/5/19</a:t>
+              <a:t>3/10/19</a:t>
             </a:fld>
             <a:endParaRPr lang="en-US"/>
           </a:p>
@@ -2604,7 +2604,7 @@
           <a:p>
             <a:fld id="{78C97017-6FC3-485B-9764-EAC9E56C1D49}" type="datetimeFigureOut">
               <a:rPr lang="en-US" smtClean="0"/>
-              <a:t>3/5/19</a:t>
+              <a:t>3/10/19</a:t>
             </a:fld>
             <a:endParaRPr lang="en-US"/>
           </a:p>
@@ -2856,7 +2856,7 @@
           <a:p>
             <a:fld id="{78C97017-6FC3-485B-9764-EAC9E56C1D49}" type="datetimeFigureOut">
               <a:rPr lang="en-US" smtClean="0"/>
-              <a:t>3/5/19</a:t>
+              <a:t>3/10/19</a:t>
             </a:fld>
             <a:endParaRPr lang="en-US"/>
           </a:p>
@@ -3067,7 +3067,7 @@
           <a:p>
             <a:fld id="{78C97017-6FC3-485B-9764-EAC9E56C1D49}" type="datetimeFigureOut">
               <a:rPr lang="en-US" smtClean="0"/>
-              <a:t>3/5/19</a:t>
+              <a:t>3/10/19</a:t>
             </a:fld>
             <a:endParaRPr lang="en-US"/>
           </a:p>
@@ -3545,7 +3545,7 @@
           <a:p>
             <a:pPr algn="ctr"/>
             <a:r>
-              <a:rPr lang="en-US" sz="1050" b="1" dirty="0" err="1">
+              <a:rPr lang="en-US" sz="1050" b="1" dirty="0">
                 <a:solidFill>
                   <a:schemeClr val="accent3">
                     <a:lumMod val="75000"/>
@@ -3605,7 +3605,7 @@
           <a:p>
             <a:pPr algn="ctr"/>
             <a:r>
-              <a:rPr lang="en-US" sz="1050" b="1" dirty="0" err="1">
+              <a:rPr lang="en-US" sz="1050" b="1" dirty="0">
                 <a:solidFill>
                   <a:schemeClr val="accent3">
                     <a:lumMod val="75000"/>
@@ -3668,7 +3668,7 @@
           <a:p>
             <a:pPr algn="ctr"/>
             <a:r>
-              <a:rPr lang="en-US" sz="1050" dirty="0" err="1">
+              <a:rPr lang="en-US" sz="1050" dirty="0">
                 <a:solidFill>
                   <a:schemeClr val="bg1"/>
                 </a:solidFill>
@@ -3918,7 +3918,7 @@
           <a:p>
             <a:pPr algn="ctr"/>
             <a:r>
-              <a:rPr lang="en-US" sz="1050" b="1" dirty="0" err="1">
+              <a:rPr lang="en-US" sz="1050" b="1" dirty="0">
                 <a:solidFill>
                   <a:schemeClr val="accent3">
                     <a:lumMod val="75000"/>
@@ -3978,7 +3978,7 @@
           <a:p>
             <a:pPr algn="ctr"/>
             <a:r>
-              <a:rPr lang="en-US" sz="1050" b="1" dirty="0" err="1">
+              <a:rPr lang="en-US" sz="1050" b="1" dirty="0">
                 <a:solidFill>
                   <a:schemeClr val="accent3">
                     <a:lumMod val="75000"/>
@@ -4038,7 +4038,7 @@
           <a:p>
             <a:pPr algn="ctr"/>
             <a:r>
-              <a:rPr lang="en-US" sz="1050" b="1" dirty="0" err="1">
+              <a:rPr lang="en-US" sz="1050" b="1" dirty="0">
                 <a:solidFill>
                   <a:schemeClr val="accent3">
                     <a:lumMod val="75000"/>
@@ -4098,7 +4098,7 @@
           <a:p>
             <a:pPr algn="ctr"/>
             <a:r>
-              <a:rPr lang="en-US" sz="1050" b="1" dirty="0" err="1">
+              <a:rPr lang="en-US" sz="1050" b="1" dirty="0">
                 <a:solidFill>
                   <a:schemeClr val="accent3">
                     <a:lumMod val="75000"/>
@@ -4307,7 +4307,7 @@
           <a:p>
             <a:pPr algn="ctr"/>
             <a:r>
-              <a:rPr lang="en-US" sz="1050" b="1" dirty="0" err="1">
+              <a:rPr lang="en-US" sz="1050" b="1" dirty="0">
                 <a:solidFill>
                   <a:schemeClr val="accent3">
                     <a:lumMod val="75000"/>
@@ -4551,7 +4551,7 @@
               </a:rPr>
             </a:br>
             <a:r>
-              <a:rPr lang="en-US" sz="1050" b="1" dirty="0" err="1">
+              <a:rPr lang="en-US" sz="1050" b="1" dirty="0">
                 <a:solidFill>
                   <a:schemeClr val="accent3">
                     <a:lumMod val="75000"/>
@@ -5560,7 +5560,7 @@
           <a:p>
             <a:pPr algn="ctr"/>
             <a:r>
-              <a:rPr lang="en-US" sz="1050" b="1" dirty="0" err="1">
+              <a:rPr lang="en-US" sz="1050" b="1" dirty="0">
                 <a:solidFill>
                   <a:schemeClr val="accent3">
                     <a:lumMod val="75000"/>
@@ -5626,7 +5626,7 @@
           <a:p>
             <a:pPr algn="ctr"/>
             <a:r>
-              <a:rPr lang="en-US" sz="1050" b="1" dirty="0" err="1">
+              <a:rPr lang="en-US" sz="1050" b="1" dirty="0">
                 <a:solidFill>
                   <a:schemeClr val="accent3">
                     <a:lumMod val="75000"/>
@@ -5922,7 +5922,7 @@
           <a:p>
             <a:pPr algn="ctr"/>
             <a:r>
-              <a:rPr lang="en-US" sz="1050" b="1" dirty="0" err="1">
+              <a:rPr lang="en-US" sz="1050" b="1" dirty="0">
                 <a:solidFill>
                   <a:schemeClr val="accent3">
                     <a:lumMod val="75000"/>
@@ -5988,7 +5988,7 @@
           <a:p>
             <a:pPr algn="ctr"/>
             <a:r>
-              <a:rPr lang="en-US" sz="1050" b="1" dirty="0" err="1">
+              <a:rPr lang="en-US" sz="1050" b="1" dirty="0">
                 <a:solidFill>
                   <a:schemeClr val="accent3">
                     <a:lumMod val="75000"/>
@@ -6284,7 +6284,7 @@
           <a:p>
             <a:pPr algn="ctr"/>
             <a:r>
-              <a:rPr lang="en-US" sz="1050" b="1" dirty="0" err="1">
+              <a:rPr lang="en-US" sz="1050" b="1" dirty="0">
                 <a:solidFill>
                   <a:schemeClr val="accent3">
                     <a:lumMod val="75000"/>
@@ -6350,7 +6350,7 @@
           <a:p>
             <a:pPr algn="ctr"/>
             <a:r>
-              <a:rPr lang="en-US" sz="1050" b="1" dirty="0" err="1">
+              <a:rPr lang="en-US" sz="1050" b="1" dirty="0">
                 <a:solidFill>
                   <a:schemeClr val="accent3">
                     <a:lumMod val="75000"/>

--- a/docs/diagrams/UiComponentClassDiagram.pptx
+++ b/docs/diagrams/UiComponentClassDiagram.pptx
@@ -208,7 +208,7 @@
           <a:p>
             <a:fld id="{F5CC4B3F-88C1-4FFA-B1B6-F41C21DC6924}" type="datetimeFigureOut">
               <a:rPr lang="en-US" smtClean="0"/>
-              <a:t>3/10/19</a:t>
+              <a:t>4/12/19</a:t>
             </a:fld>
             <a:endParaRPr lang="en-US"/>
           </a:p>
@@ -654,7 +654,7 @@
           <a:p>
             <a:fld id="{78C97017-6FC3-485B-9764-EAC9E56C1D49}" type="datetimeFigureOut">
               <a:rPr lang="en-US" smtClean="0"/>
-              <a:t>3/10/19</a:t>
+              <a:t>4/12/19</a:t>
             </a:fld>
             <a:endParaRPr lang="en-US"/>
           </a:p>
@@ -822,7 +822,7 @@
           <a:p>
             <a:fld id="{78C97017-6FC3-485B-9764-EAC9E56C1D49}" type="datetimeFigureOut">
               <a:rPr lang="en-US" smtClean="0"/>
-              <a:t>3/10/19</a:t>
+              <a:t>4/12/19</a:t>
             </a:fld>
             <a:endParaRPr lang="en-US"/>
           </a:p>
@@ -1000,7 +1000,7 @@
           <a:p>
             <a:fld id="{78C97017-6FC3-485B-9764-EAC9E56C1D49}" type="datetimeFigureOut">
               <a:rPr lang="en-US" smtClean="0"/>
-              <a:t>3/10/19</a:t>
+              <a:t>4/12/19</a:t>
             </a:fld>
             <a:endParaRPr lang="en-US"/>
           </a:p>
@@ -1168,7 +1168,7 @@
           <a:p>
             <a:fld id="{78C97017-6FC3-485B-9764-EAC9E56C1D49}" type="datetimeFigureOut">
               <a:rPr lang="en-US" smtClean="0"/>
-              <a:t>3/10/19</a:t>
+              <a:t>4/12/19</a:t>
             </a:fld>
             <a:endParaRPr lang="en-US"/>
           </a:p>
@@ -1413,7 +1413,7 @@
           <a:p>
             <a:fld id="{78C97017-6FC3-485B-9764-EAC9E56C1D49}" type="datetimeFigureOut">
               <a:rPr lang="en-US" smtClean="0"/>
-              <a:t>3/10/19</a:t>
+              <a:t>4/12/19</a:t>
             </a:fld>
             <a:endParaRPr lang="en-US"/>
           </a:p>
@@ -1698,7 +1698,7 @@
           <a:p>
             <a:fld id="{78C97017-6FC3-485B-9764-EAC9E56C1D49}" type="datetimeFigureOut">
               <a:rPr lang="en-US" smtClean="0"/>
-              <a:t>3/10/19</a:t>
+              <a:t>4/12/19</a:t>
             </a:fld>
             <a:endParaRPr lang="en-US"/>
           </a:p>
@@ -2117,7 +2117,7 @@
           <a:p>
             <a:fld id="{78C97017-6FC3-485B-9764-EAC9E56C1D49}" type="datetimeFigureOut">
               <a:rPr lang="en-US" smtClean="0"/>
-              <a:t>3/10/19</a:t>
+              <a:t>4/12/19</a:t>
             </a:fld>
             <a:endParaRPr lang="en-US"/>
           </a:p>
@@ -2234,7 +2234,7 @@
           <a:p>
             <a:fld id="{78C97017-6FC3-485B-9764-EAC9E56C1D49}" type="datetimeFigureOut">
               <a:rPr lang="en-US" smtClean="0"/>
-              <a:t>3/10/19</a:t>
+              <a:t>4/12/19</a:t>
             </a:fld>
             <a:endParaRPr lang="en-US"/>
           </a:p>
@@ -2329,7 +2329,7 @@
           <a:p>
             <a:fld id="{78C97017-6FC3-485B-9764-EAC9E56C1D49}" type="datetimeFigureOut">
               <a:rPr lang="en-US" smtClean="0"/>
-              <a:t>3/10/19</a:t>
+              <a:t>4/12/19</a:t>
             </a:fld>
             <a:endParaRPr lang="en-US"/>
           </a:p>
@@ -2604,7 +2604,7 @@
           <a:p>
             <a:fld id="{78C97017-6FC3-485B-9764-EAC9E56C1D49}" type="datetimeFigureOut">
               <a:rPr lang="en-US" smtClean="0"/>
-              <a:t>3/10/19</a:t>
+              <a:t>4/12/19</a:t>
             </a:fld>
             <a:endParaRPr lang="en-US"/>
           </a:p>
@@ -2856,7 +2856,7 @@
           <a:p>
             <a:fld id="{78C97017-6FC3-485B-9764-EAC9E56C1D49}" type="datetimeFigureOut">
               <a:rPr lang="en-US" smtClean="0"/>
-              <a:t>3/10/19</a:t>
+              <a:t>4/12/19</a:t>
             </a:fld>
             <a:endParaRPr lang="en-US"/>
           </a:p>
@@ -3067,7 +3067,7 @@
           <a:p>
             <a:fld id="{78C97017-6FC3-485B-9764-EAC9E56C1D49}" type="datetimeFigureOut">
               <a:rPr lang="en-US" smtClean="0"/>
-              <a:t>3/10/19</a:t>
+              <a:t>4/12/19</a:t>
             </a:fld>
             <a:endParaRPr lang="en-US"/>
           </a:p>
@@ -4065,7 +4065,7 @@
         </p:nvSpPr>
         <p:spPr>
           <a:xfrm>
-            <a:off x="3841058" y="3555700"/>
+            <a:off x="3886200" y="3555700"/>
             <a:ext cx="1040906" cy="236841"/>
           </a:xfrm>
           <a:prstGeom prst="rect">
@@ -4098,7 +4098,7 @@
           <a:p>
             <a:pPr algn="ctr"/>
             <a:r>
-              <a:rPr lang="en-US" sz="1050" b="1" dirty="0">
+              <a:rPr lang="en-US" sz="1050" b="1" dirty="0" err="1">
                 <a:solidFill>
                   <a:schemeClr val="accent3">
                     <a:lumMod val="75000"/>
@@ -4615,6 +4615,7 @@
         <p:nvCxnSpPr>
           <p:cNvPr id="77" name="Elbow Connector 63"/>
           <p:cNvCxnSpPr>
+            <a:cxnSpLocks/>
             <a:stCxn id="16" idx="3"/>
             <a:endCxn id="37" idx="3"/>
           </p:cNvCxnSpPr>
@@ -4622,8 +4623,8 @@
         </p:nvCxnSpPr>
         <p:spPr>
           <a:xfrm rot="5400000">
-            <a:off x="4176223" y="2318640"/>
-            <a:ext cx="2061222" cy="649740"/>
+            <a:off x="4198794" y="2341211"/>
+            <a:ext cx="2061222" cy="604598"/>
           </a:xfrm>
           <a:prstGeom prst="bentConnector2">
             <a:avLst/>
@@ -5171,8 +5172,8 @@
         </p:nvCxnSpPr>
         <p:spPr>
           <a:xfrm rot="16200000" flipH="1">
-            <a:off x="3456577" y="3289639"/>
-            <a:ext cx="118421" cy="650542"/>
+            <a:off x="3479148" y="3267068"/>
+            <a:ext cx="118421" cy="695684"/>
           </a:xfrm>
           <a:prstGeom prst="bentConnector2">
             <a:avLst/>
@@ -5626,7 +5627,7 @@
           <a:p>
             <a:pPr algn="ctr"/>
             <a:r>
-              <a:rPr lang="en-US" sz="1050" b="1" dirty="0">
+              <a:rPr lang="en-US" sz="1050" b="1" dirty="0" err="1">
                 <a:solidFill>
                   <a:schemeClr val="accent3">
                     <a:lumMod val="75000"/>
@@ -5988,7 +5989,7 @@
           <a:p>
             <a:pPr algn="ctr"/>
             <a:r>
-              <a:rPr lang="en-US" sz="1050" b="1" dirty="0">
+              <a:rPr lang="en-US" sz="1050" b="1" dirty="0" err="1">
                 <a:solidFill>
                   <a:schemeClr val="accent3">
                     <a:lumMod val="75000"/>
@@ -6350,7 +6351,7 @@
           <a:p>
             <a:pPr algn="ctr"/>
             <a:r>
-              <a:rPr lang="en-US" sz="1050" b="1" dirty="0">
+              <a:rPr lang="en-US" sz="1050" b="1" dirty="0" err="1">
                 <a:solidFill>
                   <a:schemeClr val="accent3">
                     <a:lumMod val="75000"/>
